--- a/StudentGuideModule1/friction/force_diagram2.pptx
+++ b/StudentGuideModule1/friction/force_diagram2.pptx
@@ -197,7 +197,7 @@
           <a:p>
             <a:fld id="{08534379-A8CA-4620-88FC-C95BC8BE7BED}" type="datetimeFigureOut">
               <a:rPr lang="en-US" smtClean="0"/>
-              <a:t>5/21/2016</a:t>
+              <a:t>7/23/2019</a:t>
             </a:fld>
             <a:endParaRPr lang="en-US"/>
           </a:p>
@@ -261,38 +261,37 @@
           <a:p>
             <a:pPr lvl="0"/>
             <a:r>
-              <a:rPr lang="en-US" smtClean="0"/>
+              <a:rPr lang="en-US"/>
               <a:t>Edit Master text styles</a:t>
             </a:r>
           </a:p>
           <a:p>
             <a:pPr lvl="1"/>
             <a:r>
-              <a:rPr lang="en-US" smtClean="0"/>
+              <a:rPr lang="en-US"/>
               <a:t>Second level</a:t>
             </a:r>
           </a:p>
           <a:p>
             <a:pPr lvl="2"/>
             <a:r>
-              <a:rPr lang="en-US" smtClean="0"/>
+              <a:rPr lang="en-US"/>
               <a:t>Third level</a:t>
             </a:r>
           </a:p>
           <a:p>
             <a:pPr lvl="3"/>
             <a:r>
-              <a:rPr lang="en-US" smtClean="0"/>
+              <a:rPr lang="en-US"/>
               <a:t>Fourth level</a:t>
             </a:r>
           </a:p>
           <a:p>
             <a:pPr lvl="4"/>
             <a:r>
-              <a:rPr lang="en-US" smtClean="0"/>
+              <a:rPr lang="en-US"/>
               <a:t>Fifth level</a:t>
             </a:r>
-            <a:endParaRPr lang="en-US"/>
           </a:p>
         </p:txBody>
       </p:sp>
@@ -591,10 +590,9 @@
           </a:lstStyle>
           <a:p>
             <a:r>
-              <a:rPr lang="en-US" smtClean="0"/>
+              <a:rPr lang="en-US"/>
               <a:t>Click to edit Master title style</a:t>
             </a:r>
-            <a:endParaRPr lang="en-US"/>
           </a:p>
         </p:txBody>
       </p:sp>
@@ -656,10 +654,9 @@
           </a:lstStyle>
           <a:p>
             <a:r>
-              <a:rPr lang="en-US" smtClean="0"/>
+              <a:rPr lang="en-US"/>
               <a:t>Click to edit Master subtitle style</a:t>
             </a:r>
-            <a:endParaRPr lang="en-US"/>
           </a:p>
         </p:txBody>
       </p:sp>
@@ -680,7 +677,7 @@
           <a:p>
             <a:fld id="{62726365-80EF-4A22-BD1B-8B7BA9D18AD5}" type="datetimeFigureOut">
               <a:rPr lang="en-US" smtClean="0"/>
-              <a:t>5/21/2016</a:t>
+              <a:t>7/23/2019</a:t>
             </a:fld>
             <a:endParaRPr lang="en-US"/>
           </a:p>
@@ -774,10 +771,9 @@
           <a:lstStyle/>
           <a:p>
             <a:r>
-              <a:rPr lang="en-US" smtClean="0"/>
+              <a:rPr lang="en-US"/>
               <a:t>Click to edit Master title style</a:t>
             </a:r>
-            <a:endParaRPr lang="en-US"/>
           </a:p>
         </p:txBody>
       </p:sp>
@@ -798,38 +794,37 @@
           <a:p>
             <a:pPr lvl="0"/>
             <a:r>
-              <a:rPr lang="en-US" smtClean="0"/>
+              <a:rPr lang="en-US"/>
               <a:t>Edit Master text styles</a:t>
             </a:r>
           </a:p>
           <a:p>
             <a:pPr lvl="1"/>
             <a:r>
-              <a:rPr lang="en-US" smtClean="0"/>
+              <a:rPr lang="en-US"/>
               <a:t>Second level</a:t>
             </a:r>
           </a:p>
           <a:p>
             <a:pPr lvl="2"/>
             <a:r>
-              <a:rPr lang="en-US" smtClean="0"/>
+              <a:rPr lang="en-US"/>
               <a:t>Third level</a:t>
             </a:r>
           </a:p>
           <a:p>
             <a:pPr lvl="3"/>
             <a:r>
-              <a:rPr lang="en-US" smtClean="0"/>
+              <a:rPr lang="en-US"/>
               <a:t>Fourth level</a:t>
             </a:r>
           </a:p>
           <a:p>
             <a:pPr lvl="4"/>
             <a:r>
-              <a:rPr lang="en-US" smtClean="0"/>
+              <a:rPr lang="en-US"/>
               <a:t>Fifth level</a:t>
             </a:r>
-            <a:endParaRPr lang="en-US"/>
           </a:p>
         </p:txBody>
       </p:sp>
@@ -850,7 +845,7 @@
           <a:p>
             <a:fld id="{62726365-80EF-4A22-BD1B-8B7BA9D18AD5}" type="datetimeFigureOut">
               <a:rPr lang="en-US" smtClean="0"/>
-              <a:t>5/21/2016</a:t>
+              <a:t>7/23/2019</a:t>
             </a:fld>
             <a:endParaRPr lang="en-US"/>
           </a:p>
@@ -949,10 +944,9 @@
           <a:lstStyle/>
           <a:p>
             <a:r>
-              <a:rPr lang="en-US" smtClean="0"/>
+              <a:rPr lang="en-US"/>
               <a:t>Click to edit Master title style</a:t>
             </a:r>
-            <a:endParaRPr lang="en-US"/>
           </a:p>
         </p:txBody>
       </p:sp>
@@ -978,38 +972,37 @@
           <a:p>
             <a:pPr lvl="0"/>
             <a:r>
-              <a:rPr lang="en-US" smtClean="0"/>
+              <a:rPr lang="en-US"/>
               <a:t>Edit Master text styles</a:t>
             </a:r>
           </a:p>
           <a:p>
             <a:pPr lvl="1"/>
             <a:r>
-              <a:rPr lang="en-US" smtClean="0"/>
+              <a:rPr lang="en-US"/>
               <a:t>Second level</a:t>
             </a:r>
           </a:p>
           <a:p>
             <a:pPr lvl="2"/>
             <a:r>
-              <a:rPr lang="en-US" smtClean="0"/>
+              <a:rPr lang="en-US"/>
               <a:t>Third level</a:t>
             </a:r>
           </a:p>
           <a:p>
             <a:pPr lvl="3"/>
             <a:r>
-              <a:rPr lang="en-US" smtClean="0"/>
+              <a:rPr lang="en-US"/>
               <a:t>Fourth level</a:t>
             </a:r>
           </a:p>
           <a:p>
             <a:pPr lvl="4"/>
             <a:r>
-              <a:rPr lang="en-US" smtClean="0"/>
+              <a:rPr lang="en-US"/>
               <a:t>Fifth level</a:t>
             </a:r>
-            <a:endParaRPr lang="en-US"/>
           </a:p>
         </p:txBody>
       </p:sp>
@@ -1030,7 +1023,7 @@
           <a:p>
             <a:fld id="{62726365-80EF-4A22-BD1B-8B7BA9D18AD5}" type="datetimeFigureOut">
               <a:rPr lang="en-US" smtClean="0"/>
-              <a:t>5/21/2016</a:t>
+              <a:t>7/23/2019</a:t>
             </a:fld>
             <a:endParaRPr lang="en-US"/>
           </a:p>
@@ -1124,10 +1117,9 @@
           <a:lstStyle/>
           <a:p>
             <a:r>
-              <a:rPr lang="en-US" smtClean="0"/>
+              <a:rPr lang="en-US"/>
               <a:t>Click to edit Master title style</a:t>
             </a:r>
-            <a:endParaRPr lang="en-US"/>
           </a:p>
         </p:txBody>
       </p:sp>
@@ -1148,38 +1140,37 @@
           <a:p>
             <a:pPr lvl="0"/>
             <a:r>
-              <a:rPr lang="en-US" smtClean="0"/>
+              <a:rPr lang="en-US"/>
               <a:t>Edit Master text styles</a:t>
             </a:r>
           </a:p>
           <a:p>
             <a:pPr lvl="1"/>
             <a:r>
-              <a:rPr lang="en-US" smtClean="0"/>
+              <a:rPr lang="en-US"/>
               <a:t>Second level</a:t>
             </a:r>
           </a:p>
           <a:p>
             <a:pPr lvl="2"/>
             <a:r>
-              <a:rPr lang="en-US" smtClean="0"/>
+              <a:rPr lang="en-US"/>
               <a:t>Third level</a:t>
             </a:r>
           </a:p>
           <a:p>
             <a:pPr lvl="3"/>
             <a:r>
-              <a:rPr lang="en-US" smtClean="0"/>
+              <a:rPr lang="en-US"/>
               <a:t>Fourth level</a:t>
             </a:r>
           </a:p>
           <a:p>
             <a:pPr lvl="4"/>
             <a:r>
-              <a:rPr lang="en-US" smtClean="0"/>
+              <a:rPr lang="en-US"/>
               <a:t>Fifth level</a:t>
             </a:r>
-            <a:endParaRPr lang="en-US"/>
           </a:p>
         </p:txBody>
       </p:sp>
@@ -1200,7 +1191,7 @@
           <a:p>
             <a:fld id="{62726365-80EF-4A22-BD1B-8B7BA9D18AD5}" type="datetimeFigureOut">
               <a:rPr lang="en-US" smtClean="0"/>
-              <a:t>5/21/2016</a:t>
+              <a:t>7/23/2019</a:t>
             </a:fld>
             <a:endParaRPr lang="en-US"/>
           </a:p>
@@ -1303,10 +1294,9 @@
           </a:lstStyle>
           <a:p>
             <a:r>
-              <a:rPr lang="en-US" smtClean="0"/>
+              <a:rPr lang="en-US"/>
               <a:t>Click to edit Master title style</a:t>
             </a:r>
-            <a:endParaRPr lang="en-US"/>
           </a:p>
         </p:txBody>
       </p:sp>
@@ -1423,7 +1413,7 @@
           <a:p>
             <a:pPr lvl="0"/>
             <a:r>
-              <a:rPr lang="en-US" smtClean="0"/>
+              <a:rPr lang="en-US"/>
               <a:t>Edit Master text styles</a:t>
             </a:r>
           </a:p>
@@ -1446,7 +1436,7 @@
           <a:p>
             <a:fld id="{62726365-80EF-4A22-BD1B-8B7BA9D18AD5}" type="datetimeFigureOut">
               <a:rPr lang="en-US" smtClean="0"/>
-              <a:t>5/21/2016</a:t>
+              <a:t>7/23/2019</a:t>
             </a:fld>
             <a:endParaRPr lang="en-US"/>
           </a:p>
@@ -1540,10 +1530,9 @@
           <a:lstStyle/>
           <a:p>
             <a:r>
-              <a:rPr lang="en-US" smtClean="0"/>
+              <a:rPr lang="en-US"/>
               <a:t>Click to edit Master title style</a:t>
             </a:r>
-            <a:endParaRPr lang="en-US"/>
           </a:p>
         </p:txBody>
       </p:sp>
@@ -1569,38 +1558,37 @@
           <a:p>
             <a:pPr lvl="0"/>
             <a:r>
-              <a:rPr lang="en-US" smtClean="0"/>
+              <a:rPr lang="en-US"/>
               <a:t>Edit Master text styles</a:t>
             </a:r>
           </a:p>
           <a:p>
             <a:pPr lvl="1"/>
             <a:r>
-              <a:rPr lang="en-US" smtClean="0"/>
+              <a:rPr lang="en-US"/>
               <a:t>Second level</a:t>
             </a:r>
           </a:p>
           <a:p>
             <a:pPr lvl="2"/>
             <a:r>
-              <a:rPr lang="en-US" smtClean="0"/>
+              <a:rPr lang="en-US"/>
               <a:t>Third level</a:t>
             </a:r>
           </a:p>
           <a:p>
             <a:pPr lvl="3"/>
             <a:r>
-              <a:rPr lang="en-US" smtClean="0"/>
+              <a:rPr lang="en-US"/>
               <a:t>Fourth level</a:t>
             </a:r>
           </a:p>
           <a:p>
             <a:pPr lvl="4"/>
             <a:r>
-              <a:rPr lang="en-US" smtClean="0"/>
+              <a:rPr lang="en-US"/>
               <a:t>Fifth level</a:t>
             </a:r>
-            <a:endParaRPr lang="en-US"/>
           </a:p>
         </p:txBody>
       </p:sp>
@@ -1626,38 +1614,37 @@
           <a:p>
             <a:pPr lvl="0"/>
             <a:r>
-              <a:rPr lang="en-US" smtClean="0"/>
+              <a:rPr lang="en-US"/>
               <a:t>Edit Master text styles</a:t>
             </a:r>
           </a:p>
           <a:p>
             <a:pPr lvl="1"/>
             <a:r>
-              <a:rPr lang="en-US" smtClean="0"/>
+              <a:rPr lang="en-US"/>
               <a:t>Second level</a:t>
             </a:r>
           </a:p>
           <a:p>
             <a:pPr lvl="2"/>
             <a:r>
-              <a:rPr lang="en-US" smtClean="0"/>
+              <a:rPr lang="en-US"/>
               <a:t>Third level</a:t>
             </a:r>
           </a:p>
           <a:p>
             <a:pPr lvl="3"/>
             <a:r>
-              <a:rPr lang="en-US" smtClean="0"/>
+              <a:rPr lang="en-US"/>
               <a:t>Fourth level</a:t>
             </a:r>
           </a:p>
           <a:p>
             <a:pPr lvl="4"/>
             <a:r>
-              <a:rPr lang="en-US" smtClean="0"/>
+              <a:rPr lang="en-US"/>
               <a:t>Fifth level</a:t>
             </a:r>
-            <a:endParaRPr lang="en-US"/>
           </a:p>
         </p:txBody>
       </p:sp>
@@ -1678,7 +1665,7 @@
           <a:p>
             <a:fld id="{62726365-80EF-4A22-BD1B-8B7BA9D18AD5}" type="datetimeFigureOut">
               <a:rPr lang="en-US" smtClean="0"/>
-              <a:t>5/21/2016</a:t>
+              <a:t>7/23/2019</a:t>
             </a:fld>
             <a:endParaRPr lang="en-US"/>
           </a:p>
@@ -1777,10 +1764,9 @@
           <a:lstStyle/>
           <a:p>
             <a:r>
-              <a:rPr lang="en-US" smtClean="0"/>
+              <a:rPr lang="en-US"/>
               <a:t>Click to edit Master title style</a:t>
             </a:r>
-            <a:endParaRPr lang="en-US"/>
           </a:p>
         </p:txBody>
       </p:sp>
@@ -1843,7 +1829,7 @@
           <a:p>
             <a:pPr lvl="0"/>
             <a:r>
-              <a:rPr lang="en-US" smtClean="0"/>
+              <a:rPr lang="en-US"/>
               <a:t>Edit Master text styles</a:t>
             </a:r>
           </a:p>
@@ -1871,38 +1857,37 @@
           <a:p>
             <a:pPr lvl="0"/>
             <a:r>
-              <a:rPr lang="en-US" smtClean="0"/>
+              <a:rPr lang="en-US"/>
               <a:t>Edit Master text styles</a:t>
             </a:r>
           </a:p>
           <a:p>
             <a:pPr lvl="1"/>
             <a:r>
-              <a:rPr lang="en-US" smtClean="0"/>
+              <a:rPr lang="en-US"/>
               <a:t>Second level</a:t>
             </a:r>
           </a:p>
           <a:p>
             <a:pPr lvl="2"/>
             <a:r>
-              <a:rPr lang="en-US" smtClean="0"/>
+              <a:rPr lang="en-US"/>
               <a:t>Third level</a:t>
             </a:r>
           </a:p>
           <a:p>
             <a:pPr lvl="3"/>
             <a:r>
-              <a:rPr lang="en-US" smtClean="0"/>
+              <a:rPr lang="en-US"/>
               <a:t>Fourth level</a:t>
             </a:r>
           </a:p>
           <a:p>
             <a:pPr lvl="4"/>
             <a:r>
-              <a:rPr lang="en-US" smtClean="0"/>
+              <a:rPr lang="en-US"/>
               <a:t>Fifth level</a:t>
             </a:r>
-            <a:endParaRPr lang="en-US"/>
           </a:p>
         </p:txBody>
       </p:sp>
@@ -1965,7 +1950,7 @@
           <a:p>
             <a:pPr lvl="0"/>
             <a:r>
-              <a:rPr lang="en-US" smtClean="0"/>
+              <a:rPr lang="en-US"/>
               <a:t>Edit Master text styles</a:t>
             </a:r>
           </a:p>
@@ -1993,38 +1978,37 @@
           <a:p>
             <a:pPr lvl="0"/>
             <a:r>
-              <a:rPr lang="en-US" smtClean="0"/>
+              <a:rPr lang="en-US"/>
               <a:t>Edit Master text styles</a:t>
             </a:r>
           </a:p>
           <a:p>
             <a:pPr lvl="1"/>
             <a:r>
-              <a:rPr lang="en-US" smtClean="0"/>
+              <a:rPr lang="en-US"/>
               <a:t>Second level</a:t>
             </a:r>
           </a:p>
           <a:p>
             <a:pPr lvl="2"/>
             <a:r>
-              <a:rPr lang="en-US" smtClean="0"/>
+              <a:rPr lang="en-US"/>
               <a:t>Third level</a:t>
             </a:r>
           </a:p>
           <a:p>
             <a:pPr lvl="3"/>
             <a:r>
-              <a:rPr lang="en-US" smtClean="0"/>
+              <a:rPr lang="en-US"/>
               <a:t>Fourth level</a:t>
             </a:r>
           </a:p>
           <a:p>
             <a:pPr lvl="4"/>
             <a:r>
-              <a:rPr lang="en-US" smtClean="0"/>
+              <a:rPr lang="en-US"/>
               <a:t>Fifth level</a:t>
             </a:r>
-            <a:endParaRPr lang="en-US"/>
           </a:p>
         </p:txBody>
       </p:sp>
@@ -2045,7 +2029,7 @@
           <a:p>
             <a:fld id="{62726365-80EF-4A22-BD1B-8B7BA9D18AD5}" type="datetimeFigureOut">
               <a:rPr lang="en-US" smtClean="0"/>
-              <a:t>5/21/2016</a:t>
+              <a:t>7/23/2019</a:t>
             </a:fld>
             <a:endParaRPr lang="en-US"/>
           </a:p>
@@ -2139,10 +2123,9 @@
           <a:lstStyle/>
           <a:p>
             <a:r>
-              <a:rPr lang="en-US" smtClean="0"/>
+              <a:rPr lang="en-US"/>
               <a:t>Click to edit Master title style</a:t>
             </a:r>
-            <a:endParaRPr lang="en-US"/>
           </a:p>
         </p:txBody>
       </p:sp>
@@ -2163,7 +2146,7 @@
           <a:p>
             <a:fld id="{62726365-80EF-4A22-BD1B-8B7BA9D18AD5}" type="datetimeFigureOut">
               <a:rPr lang="en-US" smtClean="0"/>
-              <a:t>5/21/2016</a:t>
+              <a:t>7/23/2019</a:t>
             </a:fld>
             <a:endParaRPr lang="en-US"/>
           </a:p>
@@ -2258,7 +2241,7 @@
           <a:p>
             <a:fld id="{62726365-80EF-4A22-BD1B-8B7BA9D18AD5}" type="datetimeFigureOut">
               <a:rPr lang="en-US" smtClean="0"/>
-              <a:t>5/21/2016</a:t>
+              <a:t>7/23/2019</a:t>
             </a:fld>
             <a:endParaRPr lang="en-US"/>
           </a:p>
@@ -2361,10 +2344,9 @@
           </a:lstStyle>
           <a:p>
             <a:r>
-              <a:rPr lang="en-US" smtClean="0"/>
+              <a:rPr lang="en-US"/>
               <a:t>Click to edit Master title style</a:t>
             </a:r>
-            <a:endParaRPr lang="en-US"/>
           </a:p>
         </p:txBody>
       </p:sp>
@@ -2418,38 +2400,37 @@
           <a:p>
             <a:pPr lvl="0"/>
             <a:r>
-              <a:rPr lang="en-US" smtClean="0"/>
+              <a:rPr lang="en-US"/>
               <a:t>Edit Master text styles</a:t>
             </a:r>
           </a:p>
           <a:p>
             <a:pPr lvl="1"/>
             <a:r>
-              <a:rPr lang="en-US" smtClean="0"/>
+              <a:rPr lang="en-US"/>
               <a:t>Second level</a:t>
             </a:r>
           </a:p>
           <a:p>
             <a:pPr lvl="2"/>
             <a:r>
-              <a:rPr lang="en-US" smtClean="0"/>
+              <a:rPr lang="en-US"/>
               <a:t>Third level</a:t>
             </a:r>
           </a:p>
           <a:p>
             <a:pPr lvl="3"/>
             <a:r>
-              <a:rPr lang="en-US" smtClean="0"/>
+              <a:rPr lang="en-US"/>
               <a:t>Fourth level</a:t>
             </a:r>
           </a:p>
           <a:p>
             <a:pPr lvl="4"/>
             <a:r>
-              <a:rPr lang="en-US" smtClean="0"/>
+              <a:rPr lang="en-US"/>
               <a:t>Fifth level</a:t>
             </a:r>
-            <a:endParaRPr lang="en-US"/>
           </a:p>
         </p:txBody>
       </p:sp>
@@ -2512,7 +2493,7 @@
           <a:p>
             <a:pPr lvl="0"/>
             <a:r>
-              <a:rPr lang="en-US" smtClean="0"/>
+              <a:rPr lang="en-US"/>
               <a:t>Edit Master text styles</a:t>
             </a:r>
           </a:p>
@@ -2535,7 +2516,7 @@
           <a:p>
             <a:fld id="{62726365-80EF-4A22-BD1B-8B7BA9D18AD5}" type="datetimeFigureOut">
               <a:rPr lang="en-US" smtClean="0"/>
-              <a:t>5/21/2016</a:t>
+              <a:t>7/23/2019</a:t>
             </a:fld>
             <a:endParaRPr lang="en-US"/>
           </a:p>
@@ -2638,10 +2619,9 @@
           </a:lstStyle>
           <a:p>
             <a:r>
-              <a:rPr lang="en-US" smtClean="0"/>
+              <a:rPr lang="en-US"/>
               <a:t>Click to edit Master title style</a:t>
             </a:r>
-            <a:endParaRPr lang="en-US"/>
           </a:p>
         </p:txBody>
       </p:sp>
@@ -2765,7 +2745,7 @@
           <a:p>
             <a:pPr lvl="0"/>
             <a:r>
-              <a:rPr lang="en-US" smtClean="0"/>
+              <a:rPr lang="en-US"/>
               <a:t>Edit Master text styles</a:t>
             </a:r>
           </a:p>
@@ -2788,7 +2768,7 @@
           <a:p>
             <a:fld id="{62726365-80EF-4A22-BD1B-8B7BA9D18AD5}" type="datetimeFigureOut">
               <a:rPr lang="en-US" smtClean="0"/>
-              <a:t>5/21/2016</a:t>
+              <a:t>7/23/2019</a:t>
             </a:fld>
             <a:endParaRPr lang="en-US"/>
           </a:p>
@@ -2897,10 +2877,9 @@
           <a:lstStyle/>
           <a:p>
             <a:r>
-              <a:rPr lang="en-US" smtClean="0"/>
+              <a:rPr lang="en-US"/>
               <a:t>Click to edit Master title style</a:t>
             </a:r>
-            <a:endParaRPr lang="en-US"/>
           </a:p>
         </p:txBody>
       </p:sp>
@@ -2931,38 +2910,37 @@
           <a:p>
             <a:pPr lvl="0"/>
             <a:r>
-              <a:rPr lang="en-US" smtClean="0"/>
+              <a:rPr lang="en-US"/>
               <a:t>Edit Master text styles</a:t>
             </a:r>
           </a:p>
           <a:p>
             <a:pPr lvl="1"/>
             <a:r>
-              <a:rPr lang="en-US" smtClean="0"/>
+              <a:rPr lang="en-US"/>
               <a:t>Second level</a:t>
             </a:r>
           </a:p>
           <a:p>
             <a:pPr lvl="2"/>
             <a:r>
-              <a:rPr lang="en-US" smtClean="0"/>
+              <a:rPr lang="en-US"/>
               <a:t>Third level</a:t>
             </a:r>
           </a:p>
           <a:p>
             <a:pPr lvl="3"/>
             <a:r>
-              <a:rPr lang="en-US" smtClean="0"/>
+              <a:rPr lang="en-US"/>
               <a:t>Fourth level</a:t>
             </a:r>
           </a:p>
           <a:p>
             <a:pPr lvl="4"/>
             <a:r>
-              <a:rPr lang="en-US" smtClean="0"/>
+              <a:rPr lang="en-US"/>
               <a:t>Fifth level</a:t>
             </a:r>
-            <a:endParaRPr lang="en-US"/>
           </a:p>
         </p:txBody>
       </p:sp>
@@ -3001,7 +2979,7 @@
           <a:p>
             <a:fld id="{62726365-80EF-4A22-BD1B-8B7BA9D18AD5}" type="datetimeFigureOut">
               <a:rPr lang="en-US" smtClean="0"/>
-              <a:t>5/21/2016</a:t>
+              <a:t>7/23/2019</a:t>
             </a:fld>
             <a:endParaRPr lang="en-US"/>
           </a:p>
@@ -3406,6 +3384,90 @@
           <a:chExt cx="0" cy="0"/>
         </a:xfrm>
       </p:grpSpPr>
+      <mc:AlternateContent xmlns:mc="http://schemas.openxmlformats.org/markup-compatibility/2006">
+        <mc:Choice xmlns:a14="http://schemas.microsoft.com/office/drawing/2010/main" Requires="a14">
+          <p:sp>
+            <p:nvSpPr>
+              <p:cNvPr id="24" name="TextBox 23"/>
+              <p:cNvSpPr txBox="1"/>
+              <p:nvPr/>
+            </p:nvSpPr>
+            <p:spPr>
+              <a:xfrm>
+                <a:off x="4078580" y="2486022"/>
+                <a:ext cx="283405" cy="276999"/>
+              </a:xfrm>
+              <a:prstGeom prst="rect">
+                <a:avLst/>
+              </a:prstGeom>
+              <a:noFill/>
+            </p:spPr>
+            <p:txBody>
+              <a:bodyPr wrap="square" rtlCol="0">
+                <a:spAutoFit/>
+              </a:bodyPr>
+              <a:lstStyle/>
+              <a:p>
+                <a:pPr/>
+                <a14:m>
+                  <m:oMathPara xmlns:m="http://schemas.openxmlformats.org/officeDocument/2006/math">
+                    <m:oMathParaPr>
+                      <m:jc m:val="centerGroup"/>
+                    </m:oMathParaPr>
+                    <m:oMath xmlns:m="http://schemas.openxmlformats.org/officeDocument/2006/math">
+                      <m:r>
+                        <a:rPr lang="en-US" sz="1200" b="0" i="1" smtClean="0">
+                          <a:latin typeface="Cambria Math" panose="02040503050406030204" pitchFamily="18" charset="0"/>
+                        </a:rPr>
+                        <m:t>𝜃</m:t>
+                      </m:r>
+                    </m:oMath>
+                  </m:oMathPara>
+                </a14:m>
+                <a:endParaRPr lang="en-US" sz="1200" dirty="0"/>
+              </a:p>
+            </p:txBody>
+          </p:sp>
+        </mc:Choice>
+        <mc:Fallback>
+          <p:sp>
+            <p:nvSpPr>
+              <p:cNvPr id="24" name="TextBox 23"/>
+              <p:cNvSpPr txBox="1">
+                <a:spLocks noRot="1" noChangeAspect="1" noMove="1" noResize="1" noEditPoints="1" noAdjustHandles="1" noChangeArrowheads="1" noChangeShapeType="1" noTextEdit="1"/>
+              </p:cNvSpPr>
+              <p:nvPr/>
+            </p:nvSpPr>
+            <p:spPr>
+              <a:xfrm>
+                <a:off x="4078580" y="2486022"/>
+                <a:ext cx="283405" cy="276999"/>
+              </a:xfrm>
+              <a:prstGeom prst="rect">
+                <a:avLst/>
+              </a:prstGeom>
+              <a:blipFill>
+                <a:blip r:embed="rId3"/>
+                <a:stretch>
+                  <a:fillRect/>
+                </a:stretch>
+              </a:blipFill>
+            </p:spPr>
+            <p:txBody>
+              <a:bodyPr/>
+              <a:lstStyle/>
+              <a:p>
+                <a:r>
+                  <a:rPr lang="en-US">
+                    <a:noFill/>
+                  </a:rPr>
+                  <a:t> </a:t>
+                </a:r>
+              </a:p>
+            </p:txBody>
+          </p:sp>
+        </mc:Fallback>
+      </mc:AlternateContent>
       <p:sp>
         <p:nvSpPr>
           <p:cNvPr id="4" name="Right Triangle 3"/>
@@ -3564,7 +3626,7 @@
                 <a:avLst/>
               </a:prstGeom>
               <a:blipFill>
-                <a:blip r:embed="rId3"/>
+                <a:blip r:embed="rId4"/>
                 <a:stretch>
                   <a:fillRect/>
                 </a:stretch>
@@ -3695,90 +3757,6 @@
           </a:fontRef>
         </p:style>
       </p:cxnSp>
-      <mc:AlternateContent xmlns:mc="http://schemas.openxmlformats.org/markup-compatibility/2006">
-        <mc:Choice xmlns:a14="http://schemas.microsoft.com/office/drawing/2010/main" Requires="a14">
-          <p:sp>
-            <p:nvSpPr>
-              <p:cNvPr id="24" name="TextBox 23"/>
-              <p:cNvSpPr txBox="1"/>
-              <p:nvPr/>
-            </p:nvSpPr>
-            <p:spPr>
-              <a:xfrm>
-                <a:off x="4055559" y="2401674"/>
-                <a:ext cx="283405" cy="276999"/>
-              </a:xfrm>
-              <a:prstGeom prst="rect">
-                <a:avLst/>
-              </a:prstGeom>
-              <a:noFill/>
-            </p:spPr>
-            <p:txBody>
-              <a:bodyPr wrap="square" rtlCol="0">
-                <a:spAutoFit/>
-              </a:bodyPr>
-              <a:lstStyle/>
-              <a:p>
-                <a:pPr/>
-                <a14:m>
-                  <m:oMathPara xmlns:m="http://schemas.openxmlformats.org/officeDocument/2006/math">
-                    <m:oMathParaPr>
-                      <m:jc m:val="centerGroup"/>
-                    </m:oMathParaPr>
-                    <m:oMath xmlns:m="http://schemas.openxmlformats.org/officeDocument/2006/math">
-                      <m:r>
-                        <a:rPr lang="en-US" sz="1200" b="0" i="1" smtClean="0">
-                          <a:latin typeface="Cambria Math" panose="02040503050406030204" pitchFamily="18" charset="0"/>
-                        </a:rPr>
-                        <m:t>𝜃</m:t>
-                      </m:r>
-                    </m:oMath>
-                  </m:oMathPara>
-                </a14:m>
-                <a:endParaRPr lang="en-US" sz="1200" dirty="0"/>
-              </a:p>
-            </p:txBody>
-          </p:sp>
-        </mc:Choice>
-        <mc:Fallback>
-          <p:sp>
-            <p:nvSpPr>
-              <p:cNvPr id="24" name="TextBox 23"/>
-              <p:cNvSpPr txBox="1">
-                <a:spLocks noRot="1" noChangeAspect="1" noMove="1" noResize="1" noEditPoints="1" noAdjustHandles="1" noChangeArrowheads="1" noChangeShapeType="1" noTextEdit="1"/>
-              </p:cNvSpPr>
-              <p:nvPr/>
-            </p:nvSpPr>
-            <p:spPr>
-              <a:xfrm>
-                <a:off x="4055559" y="2401674"/>
-                <a:ext cx="283405" cy="276999"/>
-              </a:xfrm>
-              <a:prstGeom prst="rect">
-                <a:avLst/>
-              </a:prstGeom>
-              <a:blipFill>
-                <a:blip r:embed="rId4"/>
-                <a:stretch>
-                  <a:fillRect/>
-                </a:stretch>
-              </a:blipFill>
-            </p:spPr>
-            <p:txBody>
-              <a:bodyPr/>
-              <a:lstStyle/>
-              <a:p>
-                <a:r>
-                  <a:rPr lang="en-US">
-                    <a:noFill/>
-                  </a:rPr>
-                  <a:t> </a:t>
-                </a:r>
-              </a:p>
-            </p:txBody>
-          </p:sp>
-        </mc:Fallback>
-      </mc:AlternateContent>
       <p:grpSp>
         <p:nvGrpSpPr>
           <p:cNvPr id="30" name="Group 29"/>
@@ -3793,8 +3771,8 @@
             <a:chExt cx="848098" cy="756323"/>
           </a:xfrm>
         </p:grpSpPr>
-        <mc:AlternateContent xmlns:mc="http://schemas.openxmlformats.org/markup-compatibility/2006">
-          <mc:Choice xmlns:a14="http://schemas.microsoft.com/office/drawing/2010/main" Requires="a14">
+        <mc:AlternateContent xmlns:mc="http://schemas.openxmlformats.org/markup-compatibility/2006" xmlns:a14="http://schemas.microsoft.com/office/drawing/2010/main">
+          <mc:Choice Requires="a14">
             <p:sp>
               <p:nvSpPr>
                 <p:cNvPr id="6" name="TextBox 5"/>
@@ -3838,7 +3816,7 @@
               </p:txBody>
             </p:sp>
           </mc:Choice>
-          <mc:Fallback>
+          <mc:Fallback xmlns="">
             <p:sp>
               <p:nvSpPr>
                 <p:cNvPr id="6" name="TextBox 5"/>
@@ -3951,8 +3929,8 @@
             </a:fontRef>
           </p:style>
         </p:cxnSp>
-        <mc:AlternateContent xmlns:mc="http://schemas.openxmlformats.org/markup-compatibility/2006">
-          <mc:Choice xmlns:a14="http://schemas.microsoft.com/office/drawing/2010/main" Requires="a14">
+        <mc:AlternateContent xmlns:mc="http://schemas.openxmlformats.org/markup-compatibility/2006" xmlns:a14="http://schemas.microsoft.com/office/drawing/2010/main">
+          <mc:Choice Requires="a14">
             <p:sp>
               <p:nvSpPr>
                 <p:cNvPr id="29" name="TextBox 28"/>
@@ -3996,7 +3974,7 @@
               </p:txBody>
             </p:sp>
           </mc:Choice>
-          <mc:Fallback>
+          <mc:Fallback xmlns="">
             <p:sp>
               <p:nvSpPr>
                 <p:cNvPr id="29" name="TextBox 28"/>
@@ -4046,8 +4024,126 @@
             </p:nvSpPr>
             <p:spPr>
               <a:xfrm>
-                <a:off x="3850305" y="2716752"/>
+                <a:off x="3821983" y="2716752"/>
                 <a:ext cx="283405" cy="299441"/>
+              </a:xfrm>
+              <a:prstGeom prst="rect">
+                <a:avLst/>
+              </a:prstGeom>
+              <a:noFill/>
+            </p:spPr>
+            <p:txBody>
+              <a:bodyPr wrap="square" rtlCol="0">
+                <a:spAutoFit/>
+              </a:bodyPr>
+              <a:lstStyle/>
+              <a:p>
+                <a:pPr/>
+                <a14:m>
+                  <m:oMathPara xmlns:m="http://schemas.openxmlformats.org/officeDocument/2006/math">
+                    <m:oMathParaPr>
+                      <m:jc m:val="centerGroup"/>
+                    </m:oMathParaPr>
+                    <m:oMath xmlns:m="http://schemas.openxmlformats.org/officeDocument/2006/math">
+                      <m:sSub>
+                        <m:sSubPr>
+                          <m:ctrlPr>
+                            <a:rPr lang="en-US" sz="1200" i="1" smtClean="0">
+                              <a:latin typeface="Cambria Math" panose="02040503050406030204" pitchFamily="18" charset="0"/>
+                            </a:rPr>
+                          </m:ctrlPr>
+                        </m:sSubPr>
+                        <m:e>
+                          <m:acc>
+                            <m:accPr>
+                              <m:chr m:val="⃗"/>
+                              <m:ctrlPr>
+                                <a:rPr lang="en-US" sz="1200" i="1">
+                                  <a:latin typeface="Cambria Math" panose="02040503050406030204" pitchFamily="18" charset="0"/>
+                                </a:rPr>
+                              </m:ctrlPr>
+                            </m:accPr>
+                            <m:e>
+                              <m:r>
+                                <a:rPr lang="en-US" sz="1200" i="1">
+                                  <a:latin typeface="Cambria Math" panose="02040503050406030204" pitchFamily="18" charset="0"/>
+                                </a:rPr>
+                                <m:t>𝐹</m:t>
+                              </m:r>
+                            </m:e>
+                          </m:acc>
+                        </m:e>
+                        <m:sub>
+                          <m:r>
+                            <m:rPr>
+                              <m:sty m:val="p"/>
+                            </m:rPr>
+                            <a:rPr lang="en-US" sz="1200" b="0" i="0" smtClean="0">
+                              <a:latin typeface="Cambria Math" panose="02040503050406030204" pitchFamily="18" charset="0"/>
+                            </a:rPr>
+                            <m:t>G</m:t>
+                          </m:r>
+                        </m:sub>
+                      </m:sSub>
+                    </m:oMath>
+                  </m:oMathPara>
+                </a14:m>
+                <a:endParaRPr lang="en-US" sz="1200" dirty="0"/>
+              </a:p>
+            </p:txBody>
+          </p:sp>
+        </mc:Choice>
+        <mc:Fallback>
+          <p:sp>
+            <p:nvSpPr>
+              <p:cNvPr id="31" name="TextBox 30"/>
+              <p:cNvSpPr txBox="1">
+                <a:spLocks noRot="1" noChangeAspect="1" noMove="1" noResize="1" noEditPoints="1" noAdjustHandles="1" noChangeArrowheads="1" noChangeShapeType="1" noTextEdit="1"/>
+              </p:cNvSpPr>
+              <p:nvPr/>
+            </p:nvSpPr>
+            <p:spPr>
+              <a:xfrm>
+                <a:off x="3821983" y="2716752"/>
+                <a:ext cx="283405" cy="299441"/>
+              </a:xfrm>
+              <a:prstGeom prst="rect">
+                <a:avLst/>
+              </a:prstGeom>
+              <a:blipFill>
+                <a:blip r:embed="rId7"/>
+                <a:stretch>
+                  <a:fillRect t="-4082" r="-2174"/>
+                </a:stretch>
+              </a:blipFill>
+            </p:spPr>
+            <p:txBody>
+              <a:bodyPr/>
+              <a:lstStyle/>
+              <a:p>
+                <a:r>
+                  <a:rPr lang="en-US">
+                    <a:noFill/>
+                  </a:rPr>
+                  <a:t> </a:t>
+                </a:r>
+              </a:p>
+            </p:txBody>
+          </p:sp>
+        </mc:Fallback>
+      </mc:AlternateContent>
+      <mc:AlternateContent xmlns:mc="http://schemas.openxmlformats.org/markup-compatibility/2006">
+        <mc:Choice xmlns:a14="http://schemas.microsoft.com/office/drawing/2010/main" Requires="a14">
+          <p:sp>
+            <p:nvSpPr>
+              <p:cNvPr id="32" name="TextBox 31"/>
+              <p:cNvSpPr txBox="1"/>
+              <p:nvPr/>
+            </p:nvSpPr>
+            <p:spPr>
+              <a:xfrm>
+                <a:off x="3640699" y="1749587"/>
+                <a:ext cx="283405" cy="276999"/>
               </a:xfrm>
               <a:prstGeom prst="rect">
                 <a:avLst/>
@@ -4081,103 +4177,7 @@
                             <a:rPr lang="en-US" sz="1200" b="0" i="1" smtClean="0">
                               <a:latin typeface="Cambria Math" panose="02040503050406030204" pitchFamily="18" charset="0"/>
                             </a:rPr>
-                            <m:t>𝑊</m:t>
-                          </m:r>
-                        </m:e>
-                      </m:acc>
-                    </m:oMath>
-                  </m:oMathPara>
-                </a14:m>
-                <a:endParaRPr lang="en-US" sz="1200" dirty="0"/>
-              </a:p>
-            </p:txBody>
-          </p:sp>
-        </mc:Choice>
-        <mc:Fallback>
-          <p:sp>
-            <p:nvSpPr>
-              <p:cNvPr id="31" name="TextBox 30"/>
-              <p:cNvSpPr txBox="1">
-                <a:spLocks noRot="1" noChangeAspect="1" noMove="1" noResize="1" noEditPoints="1" noAdjustHandles="1" noChangeArrowheads="1" noChangeShapeType="1" noTextEdit="1"/>
-              </p:cNvSpPr>
-              <p:nvPr/>
-            </p:nvSpPr>
-            <p:spPr>
-              <a:xfrm>
-                <a:off x="3850305" y="2716752"/>
-                <a:ext cx="283405" cy="299441"/>
-              </a:xfrm>
-              <a:prstGeom prst="rect">
-                <a:avLst/>
-              </a:prstGeom>
-              <a:blipFill>
-                <a:blip r:embed="rId7"/>
-                <a:stretch>
-                  <a:fillRect r="-4348"/>
-                </a:stretch>
-              </a:blipFill>
-            </p:spPr>
-            <p:txBody>
-              <a:bodyPr/>
-              <a:lstStyle/>
-              <a:p>
-                <a:r>
-                  <a:rPr lang="en-US">
-                    <a:noFill/>
-                  </a:rPr>
-                  <a:t> </a:t>
-                </a:r>
-              </a:p>
-            </p:txBody>
-          </p:sp>
-        </mc:Fallback>
-      </mc:AlternateContent>
-      <mc:AlternateContent xmlns:mc="http://schemas.openxmlformats.org/markup-compatibility/2006">
-        <mc:Choice xmlns:a14="http://schemas.microsoft.com/office/drawing/2010/main" Requires="a14">
-          <p:sp>
-            <p:nvSpPr>
-              <p:cNvPr id="32" name="TextBox 31"/>
-              <p:cNvSpPr txBox="1"/>
-              <p:nvPr/>
-            </p:nvSpPr>
-            <p:spPr>
-              <a:xfrm>
-                <a:off x="3640699" y="1749587"/>
-                <a:ext cx="283405" cy="299441"/>
-              </a:xfrm>
-              <a:prstGeom prst="rect">
-                <a:avLst/>
-              </a:prstGeom>
-              <a:noFill/>
-            </p:spPr>
-            <p:txBody>
-              <a:bodyPr wrap="square" rtlCol="0">
-                <a:spAutoFit/>
-              </a:bodyPr>
-              <a:lstStyle/>
-              <a:p>
-                <a:pPr/>
-                <a14:m>
-                  <m:oMathPara xmlns:m="http://schemas.openxmlformats.org/officeDocument/2006/math">
-                    <m:oMathParaPr>
-                      <m:jc m:val="centerGroup"/>
-                    </m:oMathParaPr>
-                    <m:oMath xmlns:m="http://schemas.openxmlformats.org/officeDocument/2006/math">
-                      <m:acc>
-                        <m:accPr>
-                          <m:chr m:val="⃗"/>
-                          <m:ctrlPr>
-                            <a:rPr lang="en-US" sz="1200" i="1" smtClean="0">
-                              <a:latin typeface="Cambria Math" panose="02040503050406030204" pitchFamily="18" charset="0"/>
-                            </a:rPr>
-                          </m:ctrlPr>
-                        </m:accPr>
-                        <m:e>
-                          <m:r>
-                            <a:rPr lang="en-US" sz="1200" b="0" i="1" smtClean="0">
-                              <a:latin typeface="Cambria Math" panose="02040503050406030204" pitchFamily="18" charset="0"/>
-                            </a:rPr>
-                            <m:t>𝑁</m:t>
+                            <m:t>𝑛</m:t>
                           </m:r>
                         </m:e>
                       </m:acc>
@@ -4201,7 +4201,7 @@
             <p:spPr>
               <a:xfrm>
                 <a:off x="3640699" y="1749587"/>
-                <a:ext cx="283405" cy="299441"/>
+                <a:ext cx="283405" cy="276999"/>
               </a:xfrm>
               <a:prstGeom prst="rect">
                 <a:avLst/>
@@ -4228,8 +4228,8 @@
           </p:sp>
         </mc:Fallback>
       </mc:AlternateContent>
-      <mc:AlternateContent xmlns:mc="http://schemas.openxmlformats.org/markup-compatibility/2006">
-        <mc:Choice xmlns:a14="http://schemas.microsoft.com/office/drawing/2010/main" Requires="a14">
+      <mc:AlternateContent xmlns:mc="http://schemas.openxmlformats.org/markup-compatibility/2006" xmlns:a14="http://schemas.microsoft.com/office/drawing/2010/main">
+        <mc:Choice Requires="a14">
           <p:sp>
             <p:nvSpPr>
               <p:cNvPr id="35" name="TextBox 34"/>
@@ -4273,7 +4273,7 @@
             </p:txBody>
           </p:sp>
         </mc:Choice>
-        <mc:Fallback>
+        <mc:Fallback xmlns="">
           <p:sp>
             <p:nvSpPr>
               <p:cNvPr id="35" name="TextBox 34"/>
@@ -4312,6 +4312,100 @@
           </p:sp>
         </mc:Fallback>
       </mc:AlternateContent>
+      <p:sp>
+        <p:nvSpPr>
+          <p:cNvPr id="2" name="Arc 1">
+            <a:extLst>
+              <a:ext uri="{FF2B5EF4-FFF2-40B4-BE49-F238E27FC236}">
+                <a16:creationId xmlns:a16="http://schemas.microsoft.com/office/drawing/2014/main" id="{6F48397C-D241-40C0-AF8F-D06AA76111BD}"/>
+              </a:ext>
+            </a:extLst>
+          </p:cNvPr>
+          <p:cNvSpPr/>
+          <p:nvPr/>
+        </p:nvSpPr>
+        <p:spPr>
+          <a:xfrm>
+            <a:off x="2893956" y="2913848"/>
+            <a:ext cx="117335" cy="169537"/>
+          </a:xfrm>
+          <a:prstGeom prst="arc">
+            <a:avLst>
+              <a:gd name="adj1" fmla="val 16200000"/>
+              <a:gd name="adj2" fmla="val 2145240"/>
+            </a:avLst>
+          </a:prstGeom>
+        </p:spPr>
+        <p:style>
+          <a:lnRef idx="1">
+            <a:schemeClr val="dk1"/>
+          </a:lnRef>
+          <a:fillRef idx="0">
+            <a:schemeClr val="dk1"/>
+          </a:fillRef>
+          <a:effectRef idx="0">
+            <a:schemeClr val="dk1"/>
+          </a:effectRef>
+          <a:fontRef idx="minor">
+            <a:schemeClr val="tx1"/>
+          </a:fontRef>
+        </p:style>
+        <p:txBody>
+          <a:bodyPr rtlCol="0" anchor="ctr"/>
+          <a:lstStyle/>
+          <a:p>
+            <a:pPr algn="ctr"/>
+            <a:endParaRPr lang="en-US"/>
+          </a:p>
+        </p:txBody>
+      </p:sp>
+      <p:sp>
+        <p:nvSpPr>
+          <p:cNvPr id="18" name="Arc 17">
+            <a:extLst>
+              <a:ext uri="{FF2B5EF4-FFF2-40B4-BE49-F238E27FC236}">
+                <a16:creationId xmlns:a16="http://schemas.microsoft.com/office/drawing/2014/main" id="{C253B98E-4A12-4268-A024-AB4B56AAB03D}"/>
+              </a:ext>
+            </a:extLst>
+          </p:cNvPr>
+          <p:cNvSpPr/>
+          <p:nvPr/>
+        </p:nvSpPr>
+        <p:spPr>
+          <a:xfrm rot="6437155">
+            <a:off x="4113529" y="2394388"/>
+            <a:ext cx="117335" cy="169537"/>
+          </a:xfrm>
+          <a:prstGeom prst="arc">
+            <a:avLst>
+              <a:gd name="adj1" fmla="val 16200000"/>
+              <a:gd name="adj2" fmla="val 2145240"/>
+            </a:avLst>
+          </a:prstGeom>
+        </p:spPr>
+        <p:style>
+          <a:lnRef idx="1">
+            <a:schemeClr val="dk1"/>
+          </a:lnRef>
+          <a:fillRef idx="0">
+            <a:schemeClr val="dk1"/>
+          </a:fillRef>
+          <a:effectRef idx="0">
+            <a:schemeClr val="dk1"/>
+          </a:effectRef>
+          <a:fontRef idx="minor">
+            <a:schemeClr val="tx1"/>
+          </a:fontRef>
+        </p:style>
+        <p:txBody>
+          <a:bodyPr rtlCol="0" anchor="ctr"/>
+          <a:lstStyle/>
+          <a:p>
+            <a:pPr algn="ctr"/>
+            <a:endParaRPr lang="en-US"/>
+          </a:p>
+        </p:txBody>
+      </p:sp>
     </p:spTree>
     <p:extLst>
       <p:ext uri="{BB962C8B-B14F-4D97-AF65-F5344CB8AC3E}">
@@ -4322,13 +4416,6 @@
   <p:clrMapOvr>
     <a:masterClrMapping/>
   </p:clrMapOvr>
-  <p:timing>
-    <p:tnLst>
-      <p:par>
-        <p:cTn id="1" dur="indefinite" restart="never" nodeType="tmRoot"/>
-      </p:par>
-    </p:tnLst>
-  </p:timing>
 </p:sld>
 </file>
 

--- a/StudentGuideModule1/friction/force_diagram2.pptx
+++ b/StudentGuideModule1/friction/force_diagram2.pptx
@@ -197,7 +197,7 @@
           <a:p>
             <a:fld id="{08534379-A8CA-4620-88FC-C95BC8BE7BED}" type="datetimeFigureOut">
               <a:rPr lang="en-US" smtClean="0"/>
-              <a:t>7/23/2019</a:t>
+              <a:t>7/24/2019</a:t>
             </a:fld>
             <a:endParaRPr lang="en-US"/>
           </a:p>
@@ -677,7 +677,7 @@
           <a:p>
             <a:fld id="{62726365-80EF-4A22-BD1B-8B7BA9D18AD5}" type="datetimeFigureOut">
               <a:rPr lang="en-US" smtClean="0"/>
-              <a:t>7/23/2019</a:t>
+              <a:t>7/24/2019</a:t>
             </a:fld>
             <a:endParaRPr lang="en-US"/>
           </a:p>
@@ -845,7 +845,7 @@
           <a:p>
             <a:fld id="{62726365-80EF-4A22-BD1B-8B7BA9D18AD5}" type="datetimeFigureOut">
               <a:rPr lang="en-US" smtClean="0"/>
-              <a:t>7/23/2019</a:t>
+              <a:t>7/24/2019</a:t>
             </a:fld>
             <a:endParaRPr lang="en-US"/>
           </a:p>
@@ -1023,7 +1023,7 @@
           <a:p>
             <a:fld id="{62726365-80EF-4A22-BD1B-8B7BA9D18AD5}" type="datetimeFigureOut">
               <a:rPr lang="en-US" smtClean="0"/>
-              <a:t>7/23/2019</a:t>
+              <a:t>7/24/2019</a:t>
             </a:fld>
             <a:endParaRPr lang="en-US"/>
           </a:p>
@@ -1191,7 +1191,7 @@
           <a:p>
             <a:fld id="{62726365-80EF-4A22-BD1B-8B7BA9D18AD5}" type="datetimeFigureOut">
               <a:rPr lang="en-US" smtClean="0"/>
-              <a:t>7/23/2019</a:t>
+              <a:t>7/24/2019</a:t>
             </a:fld>
             <a:endParaRPr lang="en-US"/>
           </a:p>
@@ -1436,7 +1436,7 @@
           <a:p>
             <a:fld id="{62726365-80EF-4A22-BD1B-8B7BA9D18AD5}" type="datetimeFigureOut">
               <a:rPr lang="en-US" smtClean="0"/>
-              <a:t>7/23/2019</a:t>
+              <a:t>7/24/2019</a:t>
             </a:fld>
             <a:endParaRPr lang="en-US"/>
           </a:p>
@@ -1665,7 +1665,7 @@
           <a:p>
             <a:fld id="{62726365-80EF-4A22-BD1B-8B7BA9D18AD5}" type="datetimeFigureOut">
               <a:rPr lang="en-US" smtClean="0"/>
-              <a:t>7/23/2019</a:t>
+              <a:t>7/24/2019</a:t>
             </a:fld>
             <a:endParaRPr lang="en-US"/>
           </a:p>
@@ -2029,7 +2029,7 @@
           <a:p>
             <a:fld id="{62726365-80EF-4A22-BD1B-8B7BA9D18AD5}" type="datetimeFigureOut">
               <a:rPr lang="en-US" smtClean="0"/>
-              <a:t>7/23/2019</a:t>
+              <a:t>7/24/2019</a:t>
             </a:fld>
             <a:endParaRPr lang="en-US"/>
           </a:p>
@@ -2146,7 +2146,7 @@
           <a:p>
             <a:fld id="{62726365-80EF-4A22-BD1B-8B7BA9D18AD5}" type="datetimeFigureOut">
               <a:rPr lang="en-US" smtClean="0"/>
-              <a:t>7/23/2019</a:t>
+              <a:t>7/24/2019</a:t>
             </a:fld>
             <a:endParaRPr lang="en-US"/>
           </a:p>
@@ -2241,7 +2241,7 @@
           <a:p>
             <a:fld id="{62726365-80EF-4A22-BD1B-8B7BA9D18AD5}" type="datetimeFigureOut">
               <a:rPr lang="en-US" smtClean="0"/>
-              <a:t>7/23/2019</a:t>
+              <a:t>7/24/2019</a:t>
             </a:fld>
             <a:endParaRPr lang="en-US"/>
           </a:p>
@@ -2516,7 +2516,7 @@
           <a:p>
             <a:fld id="{62726365-80EF-4A22-BD1B-8B7BA9D18AD5}" type="datetimeFigureOut">
               <a:rPr lang="en-US" smtClean="0"/>
-              <a:t>7/23/2019</a:t>
+              <a:t>7/24/2019</a:t>
             </a:fld>
             <a:endParaRPr lang="en-US"/>
           </a:p>
@@ -2768,7 +2768,7 @@
           <a:p>
             <a:fld id="{62726365-80EF-4A22-BD1B-8B7BA9D18AD5}" type="datetimeFigureOut">
               <a:rPr lang="en-US" smtClean="0"/>
-              <a:t>7/23/2019</a:t>
+              <a:t>7/24/2019</a:t>
             </a:fld>
             <a:endParaRPr lang="en-US"/>
           </a:p>
@@ -2979,7 +2979,7 @@
           <a:p>
             <a:fld id="{62726365-80EF-4A22-BD1B-8B7BA9D18AD5}" type="datetimeFigureOut">
               <a:rPr lang="en-US" smtClean="0"/>
-              <a:t>7/23/2019</a:t>
+              <a:t>7/24/2019</a:t>
             </a:fld>
             <a:endParaRPr lang="en-US"/>
           </a:p>
@@ -3384,8 +3384,8 @@
           <a:chExt cx="0" cy="0"/>
         </a:xfrm>
       </p:grpSpPr>
-      <mc:AlternateContent xmlns:mc="http://schemas.openxmlformats.org/markup-compatibility/2006">
-        <mc:Choice xmlns:a14="http://schemas.microsoft.com/office/drawing/2010/main" Requires="a14">
+      <mc:AlternateContent xmlns:mc="http://schemas.openxmlformats.org/markup-compatibility/2006" xmlns:a14="http://schemas.microsoft.com/office/drawing/2010/main">
+        <mc:Choice Requires="a14">
           <p:sp>
             <p:nvSpPr>
               <p:cNvPr id="24" name="TextBox 23"/>
@@ -3429,7 +3429,7 @@
             </p:txBody>
           </p:sp>
         </mc:Choice>
-        <mc:Fallback>
+        <mc:Fallback xmlns="">
           <p:sp>
             <p:nvSpPr>
               <p:cNvPr id="24" name="TextBox 23"/>
@@ -4014,8 +4014,8 @@
           </mc:Fallback>
         </mc:AlternateContent>
       </p:grpSp>
-      <mc:AlternateContent xmlns:mc="http://schemas.openxmlformats.org/markup-compatibility/2006">
-        <mc:Choice xmlns:a14="http://schemas.microsoft.com/office/drawing/2010/main" Requires="a14">
+      <mc:AlternateContent xmlns:mc="http://schemas.openxmlformats.org/markup-compatibility/2006" xmlns:a14="http://schemas.microsoft.com/office/drawing/2010/main">
+        <mc:Choice Requires="a14">
           <p:sp>
             <p:nvSpPr>
               <p:cNvPr id="31" name="TextBox 30"/>
@@ -4093,7 +4093,7 @@
             </p:txBody>
           </p:sp>
         </mc:Choice>
-        <mc:Fallback>
+        <mc:Fallback xmlns="">
           <p:sp>
             <p:nvSpPr>
               <p:cNvPr id="31" name="TextBox 30"/>
@@ -4132,8 +4132,8 @@
           </p:sp>
         </mc:Fallback>
       </mc:AlternateContent>
-      <mc:AlternateContent xmlns:mc="http://schemas.openxmlformats.org/markup-compatibility/2006">
-        <mc:Choice xmlns:a14="http://schemas.microsoft.com/office/drawing/2010/main" Requires="a14">
+      <mc:AlternateContent xmlns:mc="http://schemas.openxmlformats.org/markup-compatibility/2006" xmlns:a14="http://schemas.microsoft.com/office/drawing/2010/main">
+        <mc:Choice Requires="a14">
           <p:sp>
             <p:nvSpPr>
               <p:cNvPr id="32" name="TextBox 31"/>
@@ -4189,7 +4189,7 @@
             </p:txBody>
           </p:sp>
         </mc:Choice>
-        <mc:Fallback>
+        <mc:Fallback xmlns="">
           <p:sp>
             <p:nvSpPr>
               <p:cNvPr id="32" name="TextBox 31"/>

--- a/StudentGuideModule1/friction/force_diagram2.pptx
+++ b/StudentGuideModule1/friction/force_diagram2.pptx
@@ -197,7 +197,7 @@
           <a:p>
             <a:fld id="{08534379-A8CA-4620-88FC-C95BC8BE7BED}" type="datetimeFigureOut">
               <a:rPr lang="en-US" smtClean="0"/>
-              <a:t>7/24/2019</a:t>
+              <a:t>7/25/2019</a:t>
             </a:fld>
             <a:endParaRPr lang="en-US"/>
           </a:p>
@@ -677,7 +677,7 @@
           <a:p>
             <a:fld id="{62726365-80EF-4A22-BD1B-8B7BA9D18AD5}" type="datetimeFigureOut">
               <a:rPr lang="en-US" smtClean="0"/>
-              <a:t>7/24/2019</a:t>
+              <a:t>7/25/2019</a:t>
             </a:fld>
             <a:endParaRPr lang="en-US"/>
           </a:p>
@@ -845,7 +845,7 @@
           <a:p>
             <a:fld id="{62726365-80EF-4A22-BD1B-8B7BA9D18AD5}" type="datetimeFigureOut">
               <a:rPr lang="en-US" smtClean="0"/>
-              <a:t>7/24/2019</a:t>
+              <a:t>7/25/2019</a:t>
             </a:fld>
             <a:endParaRPr lang="en-US"/>
           </a:p>
@@ -1023,7 +1023,7 @@
           <a:p>
             <a:fld id="{62726365-80EF-4A22-BD1B-8B7BA9D18AD5}" type="datetimeFigureOut">
               <a:rPr lang="en-US" smtClean="0"/>
-              <a:t>7/24/2019</a:t>
+              <a:t>7/25/2019</a:t>
             </a:fld>
             <a:endParaRPr lang="en-US"/>
           </a:p>
@@ -1191,7 +1191,7 @@
           <a:p>
             <a:fld id="{62726365-80EF-4A22-BD1B-8B7BA9D18AD5}" type="datetimeFigureOut">
               <a:rPr lang="en-US" smtClean="0"/>
-              <a:t>7/24/2019</a:t>
+              <a:t>7/25/2019</a:t>
             </a:fld>
             <a:endParaRPr lang="en-US"/>
           </a:p>
@@ -1436,7 +1436,7 @@
           <a:p>
             <a:fld id="{62726365-80EF-4A22-BD1B-8B7BA9D18AD5}" type="datetimeFigureOut">
               <a:rPr lang="en-US" smtClean="0"/>
-              <a:t>7/24/2019</a:t>
+              <a:t>7/25/2019</a:t>
             </a:fld>
             <a:endParaRPr lang="en-US"/>
           </a:p>
@@ -1665,7 +1665,7 @@
           <a:p>
             <a:fld id="{62726365-80EF-4A22-BD1B-8B7BA9D18AD5}" type="datetimeFigureOut">
               <a:rPr lang="en-US" smtClean="0"/>
-              <a:t>7/24/2019</a:t>
+              <a:t>7/25/2019</a:t>
             </a:fld>
             <a:endParaRPr lang="en-US"/>
           </a:p>
@@ -2029,7 +2029,7 @@
           <a:p>
             <a:fld id="{62726365-80EF-4A22-BD1B-8B7BA9D18AD5}" type="datetimeFigureOut">
               <a:rPr lang="en-US" smtClean="0"/>
-              <a:t>7/24/2019</a:t>
+              <a:t>7/25/2019</a:t>
             </a:fld>
             <a:endParaRPr lang="en-US"/>
           </a:p>
@@ -2146,7 +2146,7 @@
           <a:p>
             <a:fld id="{62726365-80EF-4A22-BD1B-8B7BA9D18AD5}" type="datetimeFigureOut">
               <a:rPr lang="en-US" smtClean="0"/>
-              <a:t>7/24/2019</a:t>
+              <a:t>7/25/2019</a:t>
             </a:fld>
             <a:endParaRPr lang="en-US"/>
           </a:p>
@@ -2241,7 +2241,7 @@
           <a:p>
             <a:fld id="{62726365-80EF-4A22-BD1B-8B7BA9D18AD5}" type="datetimeFigureOut">
               <a:rPr lang="en-US" smtClean="0"/>
-              <a:t>7/24/2019</a:t>
+              <a:t>7/25/2019</a:t>
             </a:fld>
             <a:endParaRPr lang="en-US"/>
           </a:p>
@@ -2516,7 +2516,7 @@
           <a:p>
             <a:fld id="{62726365-80EF-4A22-BD1B-8B7BA9D18AD5}" type="datetimeFigureOut">
               <a:rPr lang="en-US" smtClean="0"/>
-              <a:t>7/24/2019</a:t>
+              <a:t>7/25/2019</a:t>
             </a:fld>
             <a:endParaRPr lang="en-US"/>
           </a:p>
@@ -2768,7 +2768,7 @@
           <a:p>
             <a:fld id="{62726365-80EF-4A22-BD1B-8B7BA9D18AD5}" type="datetimeFigureOut">
               <a:rPr lang="en-US" smtClean="0"/>
-              <a:t>7/24/2019</a:t>
+              <a:t>7/25/2019</a:t>
             </a:fld>
             <a:endParaRPr lang="en-US"/>
           </a:p>
@@ -2979,7 +2979,7 @@
           <a:p>
             <a:fld id="{62726365-80EF-4A22-BD1B-8B7BA9D18AD5}" type="datetimeFigureOut">
               <a:rPr lang="en-US" smtClean="0"/>
-              <a:t>7/24/2019</a:t>
+              <a:t>7/25/2019</a:t>
             </a:fld>
             <a:endParaRPr lang="en-US"/>
           </a:p>
@@ -4326,7 +4326,7 @@
         </p:nvSpPr>
         <p:spPr>
           <a:xfrm>
-            <a:off x="2893956" y="2913848"/>
+            <a:off x="2894301" y="2903249"/>
             <a:ext cx="117335" cy="169537"/>
           </a:xfrm>
           <a:prstGeom prst="arc">
